--- a/Qiita/Qiita_TDD.pptx
+++ b/Qiita/Qiita_TDD.pptx
@@ -9017,9 +9017,9 @@
               <a:defRPr/>
             </a:pPr>
             <a:r>
-              <a:rPr kumimoji="0" lang="en-US" sz="1900" dirty="0">
-                <a:solidFill>
-                  <a:prstClr val="black"/>
+              <a:rPr kumimoji="0" lang="en-US" sz="1900" b="1" dirty="0">
+                <a:solidFill>
+                  <a:srgbClr val="FF0000"/>
                 </a:solidFill>
                 <a:latin typeface="ＭＳ ゴシック" panose="020B0609070205080204" pitchFamily="49" charset="-128"/>
                 <a:ea typeface="ＭＳ ゴシック" panose="020B0609070205080204" pitchFamily="49" charset="-128"/>
@@ -9027,9 +9027,9 @@
               <a:t>+</a:t>
             </a:r>
             <a:r>
-              <a:rPr kumimoji="0" lang="en-US" altLang="ja-JP" sz="1900" dirty="0">
-                <a:solidFill>
-                  <a:prstClr val="black"/>
+              <a:rPr kumimoji="0" lang="en-US" altLang="ja-JP" sz="1900" b="1" dirty="0">
+                <a:solidFill>
+                  <a:srgbClr val="FF0000"/>
                 </a:solidFill>
                 <a:latin typeface="ＭＳ ゴシック" panose="020B0609070205080204" pitchFamily="49" charset="-128"/>
                 <a:ea typeface="ＭＳ ゴシック" panose="020B0609070205080204" pitchFamily="49" charset="-128"/>
@@ -9037,9 +9037,9 @@
               <a:t> void </a:t>
             </a:r>
             <a:r>
-              <a:rPr kumimoji="0" lang="en-US" altLang="ja-JP" sz="1900" dirty="0" err="1">
-                <a:solidFill>
-                  <a:prstClr val="black"/>
+              <a:rPr kumimoji="0" lang="en-US" altLang="ja-JP" sz="1900" b="1" dirty="0" err="1">
+                <a:solidFill>
+                  <a:srgbClr val="FF0000"/>
                 </a:solidFill>
                 <a:latin typeface="ＭＳ ゴシック" panose="020B0609070205080204" pitchFamily="49" charset="-128"/>
                 <a:ea typeface="ＭＳ ゴシック" panose="020B0609070205080204" pitchFamily="49" charset="-128"/>
@@ -9047,9 +9047,9 @@
               <a:t>setFunc</a:t>
             </a:r>
             <a:r>
-              <a:rPr kumimoji="0" lang="en-US" altLang="ja-JP" sz="1900" dirty="0">
-                <a:solidFill>
-                  <a:prstClr val="black"/>
+              <a:rPr kumimoji="0" lang="en-US" altLang="ja-JP" sz="1900" b="1" dirty="0">
+                <a:solidFill>
+                  <a:srgbClr val="FF0000"/>
                 </a:solidFill>
                 <a:latin typeface="ＭＳ ゴシック" panose="020B0609070205080204" pitchFamily="49" charset="-128"/>
                 <a:ea typeface="ＭＳ ゴシック" panose="020B0609070205080204" pitchFamily="49" charset="-128"/>
@@ -9062,9 +9062,9 @@
               <a:defRPr/>
             </a:pPr>
             <a:r>
-              <a:rPr kumimoji="0" lang="en-US" altLang="ja-JP" sz="1900" dirty="0">
-                <a:solidFill>
-                  <a:prstClr val="black"/>
+              <a:rPr kumimoji="0" lang="en-US" altLang="ja-JP" sz="1900" b="1" dirty="0">
+                <a:solidFill>
+                  <a:srgbClr val="FF0000"/>
                 </a:solidFill>
                 <a:latin typeface="ＭＳ ゴシック" panose="020B0609070205080204" pitchFamily="49" charset="-128"/>
                 <a:ea typeface="ＭＳ ゴシック" panose="020B0609070205080204" pitchFamily="49" charset="-128"/>
@@ -9072,9 +9072,9 @@
               <a:t>    void (*</a:t>
             </a:r>
             <a:r>
-              <a:rPr kumimoji="0" lang="en-US" altLang="ja-JP" sz="1900" dirty="0" err="1">
-                <a:solidFill>
-                  <a:prstClr val="black"/>
+              <a:rPr kumimoji="0" lang="en-US" altLang="ja-JP" sz="1900" b="1" dirty="0" err="1">
+                <a:solidFill>
+                  <a:srgbClr val="FF0000"/>
                 </a:solidFill>
                 <a:latin typeface="ＭＳ ゴシック" panose="020B0609070205080204" pitchFamily="49" charset="-128"/>
                 <a:ea typeface="ＭＳ ゴシック" panose="020B0609070205080204" pitchFamily="49" charset="-128"/>
@@ -9082,9 +9082,9 @@
               <a:t>turnOn</a:t>
             </a:r>
             <a:r>
-              <a:rPr kumimoji="0" lang="en-US" altLang="ja-JP" sz="1900" dirty="0">
-                <a:solidFill>
-                  <a:prstClr val="black"/>
+              <a:rPr kumimoji="0" lang="en-US" altLang="ja-JP" sz="1900" b="1" dirty="0">
+                <a:solidFill>
+                  <a:srgbClr val="FF0000"/>
                 </a:solidFill>
                 <a:latin typeface="ＭＳ ゴシック" panose="020B0609070205080204" pitchFamily="49" charset="-128"/>
                 <a:ea typeface="ＭＳ ゴシック" panose="020B0609070205080204" pitchFamily="49" charset="-128"/>
@@ -9092,9 +9092,9 @@
               <a:t>)(</a:t>
             </a:r>
             <a:r>
-              <a:rPr kumimoji="0" lang="en-US" altLang="ja-JP" sz="1900" dirty="0" err="1">
-                <a:solidFill>
-                  <a:prstClr val="black"/>
+              <a:rPr kumimoji="0" lang="en-US" altLang="ja-JP" sz="1900" b="1" dirty="0" err="1">
+                <a:solidFill>
+                  <a:srgbClr val="FF0000"/>
                 </a:solidFill>
                 <a:latin typeface="ＭＳ ゴシック" panose="020B0609070205080204" pitchFamily="49" charset="-128"/>
                 <a:ea typeface="ＭＳ ゴシック" panose="020B0609070205080204" pitchFamily="49" charset="-128"/>
@@ -9102,9 +9102,9 @@
               <a:t>int</a:t>
             </a:r>
             <a:r>
-              <a:rPr kumimoji="0" lang="en-US" altLang="ja-JP" sz="1900" dirty="0">
-                <a:solidFill>
-                  <a:prstClr val="black"/>
+              <a:rPr kumimoji="0" lang="en-US" altLang="ja-JP" sz="1900" b="1" dirty="0">
+                <a:solidFill>
+                  <a:srgbClr val="FF0000"/>
                 </a:solidFill>
                 <a:latin typeface="ＭＳ ゴシック" panose="020B0609070205080204" pitchFamily="49" charset="-128"/>
                 <a:ea typeface="ＭＳ ゴシック" panose="020B0609070205080204" pitchFamily="49" charset="-128"/>
@@ -9117,9 +9117,9 @@
               <a:defRPr/>
             </a:pPr>
             <a:r>
-              <a:rPr kumimoji="0" lang="en-US" altLang="ja-JP" sz="1900" dirty="0">
-                <a:solidFill>
-                  <a:prstClr val="black"/>
+              <a:rPr kumimoji="0" lang="en-US" altLang="ja-JP" sz="1900" b="1" dirty="0">
+                <a:solidFill>
+                  <a:srgbClr val="FF0000"/>
                 </a:solidFill>
                 <a:latin typeface="ＭＳ ゴシック" panose="020B0609070205080204" pitchFamily="49" charset="-128"/>
                 <a:ea typeface="ＭＳ ゴシック" panose="020B0609070205080204" pitchFamily="49" charset="-128"/>
@@ -9127,9 +9127,9 @@
               <a:t>    void (*</a:t>
             </a:r>
             <a:r>
-              <a:rPr kumimoji="0" lang="en-US" altLang="ja-JP" sz="1900" dirty="0" err="1">
-                <a:solidFill>
-                  <a:prstClr val="black"/>
+              <a:rPr kumimoji="0" lang="en-US" altLang="ja-JP" sz="1900" b="1" dirty="0" err="1">
+                <a:solidFill>
+                  <a:srgbClr val="FF0000"/>
                 </a:solidFill>
                 <a:latin typeface="ＭＳ ゴシック" panose="020B0609070205080204" pitchFamily="49" charset="-128"/>
                 <a:ea typeface="ＭＳ ゴシック" panose="020B0609070205080204" pitchFamily="49" charset="-128"/>
@@ -9137,9 +9137,9 @@
               <a:t>turnOff</a:t>
             </a:r>
             <a:r>
-              <a:rPr kumimoji="0" lang="en-US" altLang="ja-JP" sz="1900" dirty="0">
-                <a:solidFill>
-                  <a:prstClr val="black"/>
+              <a:rPr kumimoji="0" lang="en-US" altLang="ja-JP" sz="1900" b="1" dirty="0">
+                <a:solidFill>
+                  <a:srgbClr val="FF0000"/>
                 </a:solidFill>
                 <a:latin typeface="ＭＳ ゴシック" panose="020B0609070205080204" pitchFamily="49" charset="-128"/>
                 <a:ea typeface="ＭＳ ゴシック" panose="020B0609070205080204" pitchFamily="49" charset="-128"/>
@@ -9147,9 +9147,9 @@
               <a:t>)(</a:t>
             </a:r>
             <a:r>
-              <a:rPr kumimoji="0" lang="en-US" altLang="ja-JP" sz="1900" dirty="0" err="1">
-                <a:solidFill>
-                  <a:prstClr val="black"/>
+              <a:rPr kumimoji="0" lang="en-US" altLang="ja-JP" sz="1900" b="1" dirty="0" err="1">
+                <a:solidFill>
+                  <a:srgbClr val="FF0000"/>
                 </a:solidFill>
                 <a:latin typeface="ＭＳ ゴシック" panose="020B0609070205080204" pitchFamily="49" charset="-128"/>
                 <a:ea typeface="ＭＳ ゴシック" panose="020B0609070205080204" pitchFamily="49" charset="-128"/>
@@ -9157,9 +9157,9 @@
               <a:t>int</a:t>
             </a:r>
             <a:r>
-              <a:rPr kumimoji="0" lang="en-US" altLang="ja-JP" sz="1900" dirty="0">
-                <a:solidFill>
-                  <a:prstClr val="black"/>
+              <a:rPr kumimoji="0" lang="en-US" altLang="ja-JP" sz="1900" b="1" dirty="0">
+                <a:solidFill>
+                  <a:srgbClr val="FF0000"/>
                 </a:solidFill>
                 <a:latin typeface="ＭＳ ゴシック" panose="020B0609070205080204" pitchFamily="49" charset="-128"/>
                 <a:ea typeface="ＭＳ ゴシック" panose="020B0609070205080204" pitchFamily="49" charset="-128"/>
@@ -9172,21 +9172,21 @@
               <a:defRPr/>
             </a:pPr>
             <a:r>
-              <a:rPr kumimoji="0" lang="en-US" altLang="ja-JP" sz="1900" dirty="0">
-                <a:solidFill>
-                  <a:prstClr val="black"/>
+              <a:rPr kumimoji="0" lang="en-US" altLang="ja-JP" sz="1900" b="1" dirty="0">
+                <a:solidFill>
+                  <a:srgbClr val="FF0000"/>
                 </a:solidFill>
                 <a:latin typeface="ＭＳ ゴシック" panose="020B0609070205080204" pitchFamily="49" charset="-128"/>
                 <a:ea typeface="ＭＳ ゴシック" panose="020B0609070205080204" pitchFamily="49" charset="-128"/>
               </a:rPr>
               <a:t>  )</a:t>
             </a:r>
-            <a:endParaRPr kumimoji="0" lang="en-CA" sz="1900" b="0" i="0" u="none" strike="noStrike" kern="1200" cap="none" spc="0" normalizeH="0" baseline="0" noProof="0" dirty="0">
+            <a:endParaRPr kumimoji="0" lang="en-CA" sz="1900" b="1" i="0" u="none" strike="noStrike" kern="1200" cap="none" spc="0" normalizeH="0" baseline="0" noProof="0" dirty="0">
               <a:ln>
                 <a:noFill/>
               </a:ln>
               <a:solidFill>
-                <a:prstClr val="black"/>
+                <a:srgbClr val="FF0000"/>
               </a:solidFill>
               <a:effectLst/>
               <a:uLnTx/>
@@ -9946,9 +9946,9 @@
               <a:defRPr/>
             </a:pPr>
             <a:r>
-              <a:rPr kumimoji="0" lang="en-US" sz="1700" dirty="0">
-                <a:solidFill>
-                  <a:prstClr val="black"/>
+              <a:rPr kumimoji="0" lang="en-US" sz="1700" b="1" dirty="0">
+                <a:solidFill>
+                  <a:srgbClr val="FF0000"/>
                 </a:solidFill>
                 <a:latin typeface="ＭＳ ゴシック" panose="020B0609070205080204" pitchFamily="49" charset="-128"/>
                 <a:ea typeface="ＭＳ ゴシック" panose="020B0609070205080204" pitchFamily="49" charset="-128"/>
@@ -9956,9 +9956,9 @@
               <a:t>+</a:t>
             </a:r>
             <a:r>
-              <a:rPr kumimoji="0" lang="en-US" altLang="ja-JP" sz="1700" dirty="0">
-                <a:solidFill>
-                  <a:prstClr val="black"/>
+              <a:rPr kumimoji="0" lang="en-US" altLang="ja-JP" sz="1700" b="1" dirty="0">
+                <a:solidFill>
+                  <a:srgbClr val="FF0000"/>
                 </a:solidFill>
                 <a:latin typeface="ＭＳ ゴシック" panose="020B0609070205080204" pitchFamily="49" charset="-128"/>
                 <a:ea typeface="ＭＳ ゴシック" panose="020B0609070205080204" pitchFamily="49" charset="-128"/>
@@ -9966,9 +9966,9 @@
               <a:t> void </a:t>
             </a:r>
             <a:r>
-              <a:rPr kumimoji="0" lang="en-US" altLang="ja-JP" sz="1700" dirty="0" err="1">
-                <a:solidFill>
-                  <a:prstClr val="black"/>
+              <a:rPr kumimoji="0" lang="en-US" altLang="ja-JP" sz="1700" b="1" dirty="0" err="1">
+                <a:solidFill>
+                  <a:srgbClr val="FF0000"/>
                 </a:solidFill>
                 <a:latin typeface="ＭＳ ゴシック" panose="020B0609070205080204" pitchFamily="49" charset="-128"/>
                 <a:ea typeface="ＭＳ ゴシック" panose="020B0609070205080204" pitchFamily="49" charset="-128"/>
@@ -9976,9 +9976,9 @@
               <a:t>setDriver</a:t>
             </a:r>
             <a:r>
-              <a:rPr kumimoji="0" lang="en-US" altLang="ja-JP" sz="1700" dirty="0">
-                <a:solidFill>
-                  <a:prstClr val="black"/>
+              <a:rPr kumimoji="0" lang="en-US" altLang="ja-JP" sz="1700" b="1" dirty="0">
+                <a:solidFill>
+                  <a:srgbClr val="FF0000"/>
                 </a:solidFill>
                 <a:latin typeface="ＭＳ ゴシック" panose="020B0609070205080204" pitchFamily="49" charset="-128"/>
                 <a:ea typeface="ＭＳ ゴシック" panose="020B0609070205080204" pitchFamily="49" charset="-128"/>
@@ -9986,9 +9986,9 @@
               <a:t>(</a:t>
             </a:r>
             <a:r>
-              <a:rPr kumimoji="0" lang="en-US" altLang="ja-JP" sz="1700" dirty="0" err="1">
-                <a:solidFill>
-                  <a:prstClr val="black"/>
+              <a:rPr kumimoji="0" lang="en-US" altLang="ja-JP" sz="1700" b="1" dirty="0" err="1">
+                <a:solidFill>
+                  <a:srgbClr val="FF0000"/>
                 </a:solidFill>
                 <a:latin typeface="ＭＳ ゴシック" panose="020B0609070205080204" pitchFamily="49" charset="-128"/>
                 <a:ea typeface="ＭＳ ゴシック" panose="020B0609070205080204" pitchFamily="49" charset="-128"/>
@@ -9996,9 +9996,9 @@
               <a:t>IDriver</a:t>
             </a:r>
             <a:r>
-              <a:rPr kumimoji="0" lang="en-US" altLang="ja-JP" sz="1700" dirty="0">
-                <a:solidFill>
-                  <a:prstClr val="black"/>
+              <a:rPr kumimoji="0" lang="en-US" altLang="ja-JP" sz="1700" b="1" dirty="0">
+                <a:solidFill>
+                  <a:srgbClr val="FF0000"/>
                 </a:solidFill>
                 <a:latin typeface="ＭＳ ゴシック" panose="020B0609070205080204" pitchFamily="49" charset="-128"/>
                 <a:ea typeface="ＭＳ ゴシック" panose="020B0609070205080204" pitchFamily="49" charset="-128"/>
@@ -10315,7 +10315,7 @@
             <a:r>
               <a:rPr kumimoji="0" lang="en-US" altLang="ja-JP" sz="2000" dirty="0">
                 <a:solidFill>
-                  <a:prstClr val="black"/>
+                  <a:srgbClr val="FF0000"/>
                 </a:solidFill>
                 <a:latin typeface="ＭＳ ゴシック" panose="020B0609070205080204" pitchFamily="49" charset="-128"/>
                 <a:ea typeface="ＭＳ ゴシック" panose="020B0609070205080204" pitchFamily="49" charset="-128"/>
@@ -10333,7 +10333,7 @@
                   <a:noFill/>
                 </a:ln>
                 <a:solidFill>
-                  <a:prstClr val="black"/>
+                  <a:srgbClr val="FF0000"/>
                 </a:solidFill>
                 <a:effectLst/>
                 <a:uLnTx/>
@@ -10348,7 +10348,7 @@
                 <a:noFill/>
               </a:ln>
               <a:solidFill>
-                <a:prstClr val="black"/>
+                <a:srgbClr val="FF0000"/>
               </a:solidFill>
               <a:effectLst/>
               <a:uLnTx/>
@@ -10364,7 +10364,7 @@
             <a:r>
               <a:rPr kumimoji="0" lang="en-CA" sz="1700" dirty="0">
                 <a:solidFill>
-                  <a:prstClr val="black"/>
+                  <a:srgbClr val="FF0000"/>
                 </a:solidFill>
                 <a:latin typeface="ＭＳ ゴシック" panose="020B0609070205080204" pitchFamily="49" charset="-128"/>
                 <a:ea typeface="ＭＳ ゴシック" panose="020B0609070205080204" pitchFamily="49" charset="-128"/>
@@ -10374,7 +10374,7 @@
             <a:r>
               <a:rPr kumimoji="0" lang="en-US" sz="1700" dirty="0">
                 <a:solidFill>
-                  <a:prstClr val="black"/>
+                  <a:srgbClr val="FF0000"/>
                 </a:solidFill>
                 <a:latin typeface="ＭＳ ゴシック" panose="020B0609070205080204" pitchFamily="49" charset="-128"/>
                 <a:ea typeface="ＭＳ ゴシック" panose="020B0609070205080204" pitchFamily="49" charset="-128"/>
@@ -10384,7 +10384,7 @@
             <a:r>
               <a:rPr kumimoji="0" lang="en-US" sz="1700" dirty="0" err="1">
                 <a:solidFill>
-                  <a:prstClr val="black"/>
+                  <a:srgbClr val="FF0000"/>
                 </a:solidFill>
                 <a:latin typeface="ＭＳ ゴシック" panose="020B0609070205080204" pitchFamily="49" charset="-128"/>
                 <a:ea typeface="ＭＳ ゴシック" panose="020B0609070205080204" pitchFamily="49" charset="-128"/>
@@ -10394,7 +10394,7 @@
             <a:r>
               <a:rPr kumimoji="0" lang="en-US" sz="1700" dirty="0">
                 <a:solidFill>
-                  <a:prstClr val="black"/>
+                  <a:srgbClr val="FF0000"/>
                 </a:solidFill>
                 <a:latin typeface="ＭＳ ゴシック" panose="020B0609070205080204" pitchFamily="49" charset="-128"/>
                 <a:ea typeface="ＭＳ ゴシック" panose="020B0609070205080204" pitchFamily="49" charset="-128"/>
@@ -10404,7 +10404,7 @@
             <a:r>
               <a:rPr kumimoji="0" lang="en-US" sz="1700" dirty="0" err="1">
                 <a:solidFill>
-                  <a:prstClr val="black"/>
+                  <a:srgbClr val="FF0000"/>
                 </a:solidFill>
                 <a:latin typeface="ＭＳ ゴシック" panose="020B0609070205080204" pitchFamily="49" charset="-128"/>
                 <a:ea typeface="ＭＳ ゴシック" panose="020B0609070205080204" pitchFamily="49" charset="-128"/>
@@ -10414,7 +10414,7 @@
             <a:r>
               <a:rPr kumimoji="0" lang="en-US" sz="1700" dirty="0">
                 <a:solidFill>
-                  <a:prstClr val="black"/>
+                  <a:srgbClr val="FF0000"/>
                 </a:solidFill>
                 <a:latin typeface="ＭＳ ゴシック" panose="020B0609070205080204" pitchFamily="49" charset="-128"/>
                 <a:ea typeface="ＭＳ ゴシック" panose="020B0609070205080204" pitchFamily="49" charset="-128"/>
@@ -10432,7 +10432,7 @@
                   <a:noFill/>
                 </a:ln>
                 <a:solidFill>
-                  <a:prstClr val="black"/>
+                  <a:srgbClr val="FF0000"/>
                 </a:solidFill>
                 <a:effectLst/>
                 <a:uLnTx/>
@@ -10445,7 +10445,7 @@
             <a:r>
               <a:rPr kumimoji="0" lang="en-US" sz="1700" dirty="0">
                 <a:solidFill>
-                  <a:prstClr val="black"/>
+                  <a:srgbClr val="FF0000"/>
                 </a:solidFill>
                 <a:latin typeface="ＭＳ ゴシック" panose="020B0609070205080204" pitchFamily="49" charset="-128"/>
                 <a:ea typeface="ＭＳ ゴシック" panose="020B0609070205080204" pitchFamily="49" charset="-128"/>
@@ -10458,7 +10458,7 @@
                   <a:noFill/>
                 </a:ln>
                 <a:solidFill>
-                  <a:prstClr val="black"/>
+                  <a:srgbClr val="FF0000"/>
                 </a:solidFill>
                 <a:effectLst/>
                 <a:uLnTx/>
@@ -10474,7 +10474,7 @@
                   <a:noFill/>
                 </a:ln>
                 <a:solidFill>
-                  <a:prstClr val="black"/>
+                  <a:srgbClr val="FF0000"/>
                 </a:solidFill>
                 <a:effectLst/>
                 <a:uLnTx/>
@@ -10490,7 +10490,7 @@
                   <a:noFill/>
                 </a:ln>
                 <a:solidFill>
-                  <a:prstClr val="black"/>
+                  <a:srgbClr val="FF0000"/>
                 </a:solidFill>
                 <a:effectLst/>
                 <a:uLnTx/>
@@ -10506,7 +10506,7 @@
                   <a:noFill/>
                 </a:ln>
                 <a:solidFill>
-                  <a:prstClr val="black"/>
+                  <a:srgbClr val="FF0000"/>
                 </a:solidFill>
                 <a:effectLst/>
                 <a:uLnTx/>
@@ -10522,7 +10522,7 @@
                   <a:noFill/>
                 </a:ln>
                 <a:solidFill>
-                  <a:prstClr val="black"/>
+                  <a:srgbClr val="FF0000"/>
                 </a:solidFill>
                 <a:effectLst/>
                 <a:uLnTx/>
@@ -13267,7 +13267,7 @@
         <p:spPr>
           <a:xfrm>
             <a:off x="1616558" y="1707074"/>
-            <a:ext cx="2839239" cy="646331"/>
+            <a:ext cx="3993401" cy="646331"/>
           </a:xfrm>
           <a:prstGeom prst="rect">
             <a:avLst/>
@@ -13283,24 +13283,14 @@
               <a:defRPr/>
             </a:pPr>
             <a:r>
-              <a:rPr kumimoji="0" lang="en-US" altLang="ja-JP" dirty="0">
+              <a:rPr kumimoji="0" lang="ja-JP" altLang="en-US" dirty="0">
                 <a:solidFill>
                   <a:prstClr val="black"/>
                 </a:solidFill>
                 <a:latin typeface="ＭＳ ゴシック" panose="020B0609070205080204" pitchFamily="49" charset="-128"/>
                 <a:ea typeface="ＭＳ ゴシック" panose="020B0609070205080204" pitchFamily="49" charset="-128"/>
               </a:rPr>
-              <a:t>Blink</a:t>
-            </a:r>
-            <a:r>
-              <a:rPr kumimoji="0" lang="ja-JP" altLang="en-US" dirty="0">
-                <a:solidFill>
-                  <a:prstClr val="black"/>
-                </a:solidFill>
-                <a:latin typeface="ＭＳ ゴシック" panose="020B0609070205080204" pitchFamily="49" charset="-128"/>
-                <a:ea typeface="ＭＳ ゴシック" panose="020B0609070205080204" pitchFamily="49" charset="-128"/>
-              </a:rPr>
-              <a:t>が外部に見せている</a:t>
+              <a:t>通常のテストでは、</a:t>
             </a:r>
             <a:endParaRPr kumimoji="0" lang="en-US" altLang="ja-JP" dirty="0">
               <a:solidFill>
@@ -13315,14 +13305,24 @@
               <a:defRPr/>
             </a:pPr>
             <a:r>
-              <a:rPr kumimoji="0" lang="ja-JP" altLang="en-US" dirty="0">
+              <a:rPr kumimoji="0" lang="en-US" altLang="ja-JP" dirty="0">
                 <a:solidFill>
                   <a:prstClr val="black"/>
                 </a:solidFill>
                 <a:latin typeface="ＭＳ ゴシック" panose="020B0609070205080204" pitchFamily="49" charset="-128"/>
                 <a:ea typeface="ＭＳ ゴシック" panose="020B0609070205080204" pitchFamily="49" charset="-128"/>
               </a:rPr>
-              <a:t>関数を呼ぶ</a:t>
+              <a:t>Blink</a:t>
+            </a:r>
+            <a:r>
+              <a:rPr kumimoji="0" lang="ja-JP" altLang="en-US" dirty="0">
+                <a:solidFill>
+                  <a:prstClr val="black"/>
+                </a:solidFill>
+                <a:latin typeface="ＭＳ ゴシック" panose="020B0609070205080204" pitchFamily="49" charset="-128"/>
+                <a:ea typeface="ＭＳ ゴシック" panose="020B0609070205080204" pitchFamily="49" charset="-128"/>
+              </a:rPr>
+              <a:t>が外部に見せている関数を呼ぶ</a:t>
             </a:r>
             <a:endParaRPr kumimoji="0" lang="en-US" altLang="ja-JP" dirty="0">
               <a:solidFill>
